--- a/宋玉彬-年终述职报告2021.pptx
+++ b/宋玉彬-年终述职报告2021.pptx
@@ -124,7 +124,7 @@
   </p:defaultTextStyle>
   <p:extLst>
     <p:ext uri="{EFAFB233-063F-42B5-8137-9DF3F51BA10A}">
-      <p15:sldGuideLst xmlns:p15="http://schemas.microsoft.com/office/powerpoint/2012/main" xmlns="">
+      <p15:sldGuideLst xmlns="" xmlns:p15="http://schemas.microsoft.com/office/powerpoint/2012/main">
         <p15:guide id="1" orient="horz" pos="2160">
           <p15:clr>
             <a:srgbClr val="A4A3A4"/>
@@ -653,7 +653,7 @@
           <a:p>
             <a:fld id="{2A1F3036-735A-4F73-8A57-F3B7DC1096A2}" type="datetimeFigureOut">
               <a:rPr lang="zh-CN" altLang="en-US" smtClean="0"/>
-              <a:t>2021/1/15</a:t>
+              <a:t>2021/1/16</a:t>
             </a:fld>
             <a:endParaRPr lang="zh-CN" altLang="en-US"/>
           </a:p>
@@ -11540,7 +11540,7 @@
         <p:spPr>
           <a:xfrm>
             <a:off x="1459444" y="2062196"/>
-            <a:ext cx="2758280" cy="615040"/>
+            <a:ext cx="2758280" cy="1323439"/>
           </a:xfrm>
           <a:prstGeom prst="rect">
             <a:avLst/>
@@ -11558,7 +11558,7 @@
               </a:lnSpc>
             </a:pPr>
             <a:r>
-              <a:rPr lang="en-US" altLang="zh-CN" sz="2000" dirty="0">
+              <a:rPr lang="en-US" altLang="zh-CN" sz="2000" dirty="0" smtClean="0">
                 <a:solidFill>
                   <a:schemeClr val="tx1">
                     <a:lumMod val="85000"/>
@@ -11573,7 +11573,7 @@
               <a:t>GIS</a:t>
             </a:r>
             <a:r>
-              <a:rPr lang="zh-CN" altLang="en-US" sz="2000" dirty="0">
+              <a:rPr lang="zh-CN" altLang="en-US" sz="2000" dirty="0" smtClean="0">
                 <a:solidFill>
                   <a:schemeClr val="tx1">
                     <a:lumMod val="85000"/>
@@ -11585,7 +11585,71 @@
                 <a:cs typeface="+mn-ea"/>
                 <a:sym typeface="+mn-lt"/>
               </a:rPr>
-              <a:t>技术</a:t>
+              <a:t>技术初识</a:t>
+            </a:r>
+            <a:endParaRPr lang="en-US" altLang="zh-CN" sz="2000" dirty="0" smtClean="0">
+              <a:solidFill>
+                <a:schemeClr val="tx1">
+                  <a:lumMod val="85000"/>
+                  <a:lumOff val="15000"/>
+                </a:schemeClr>
+              </a:solidFill>
+              <a:latin typeface="微软雅黑" panose="020B0503020204020204" pitchFamily="34" charset="-122"/>
+              <a:ea typeface="微软雅黑" panose="020B0503020204020204" pitchFamily="34" charset="-122"/>
+              <a:cs typeface="+mn-ea"/>
+              <a:sym typeface="+mn-lt"/>
+            </a:endParaRPr>
+          </a:p>
+          <a:p>
+            <a:pPr>
+              <a:lnSpc>
+                <a:spcPct val="200000"/>
+              </a:lnSpc>
+            </a:pPr>
+            <a:r>
+              <a:rPr lang="en-US" altLang="zh-CN" sz="2000" dirty="0" smtClean="0">
+                <a:solidFill>
+                  <a:schemeClr val="tx1">
+                    <a:lumMod val="85000"/>
+                    <a:lumOff val="15000"/>
+                  </a:schemeClr>
+                </a:solidFill>
+                <a:latin typeface="微软雅黑" panose="020B0503020204020204" pitchFamily="34" charset="-122"/>
+                <a:ea typeface="微软雅黑" panose="020B0503020204020204" pitchFamily="34" charset="-122"/>
+                <a:cs typeface="+mn-ea"/>
+                <a:sym typeface="+mn-lt"/>
+              </a:rPr>
+              <a:t>cesium</a:t>
+            </a:r>
+            <a:r>
+              <a:rPr lang="zh-CN" altLang="en-US" sz="2000" dirty="0" smtClean="0">
+                <a:solidFill>
+                  <a:schemeClr val="tx1">
+                    <a:lumMod val="85000"/>
+                    <a:lumOff val="15000"/>
+                  </a:schemeClr>
+                </a:solidFill>
+                <a:latin typeface="微软雅黑" panose="020B0503020204020204" pitchFamily="34" charset="-122"/>
+                <a:ea typeface="微软雅黑" panose="020B0503020204020204" pitchFamily="34" charset="-122"/>
+                <a:cs typeface="+mn-ea"/>
+                <a:sym typeface="+mn-lt"/>
+              </a:rPr>
+              <a:t>三维</a:t>
+            </a:r>
+            <a:r>
+              <a:rPr lang="zh-CN" altLang="en-US" sz="2000" dirty="0">
+                <a:solidFill>
+                  <a:schemeClr val="tx1">
+                    <a:lumMod val="85000"/>
+                    <a:lumOff val="15000"/>
+                  </a:schemeClr>
+                </a:solidFill>
+                <a:latin typeface="微软雅黑" panose="020B0503020204020204" pitchFamily="34" charset="-122"/>
+                <a:ea typeface="微软雅黑" panose="020B0503020204020204" pitchFamily="34" charset="-122"/>
+                <a:cs typeface="+mn-ea"/>
+                <a:sym typeface="+mn-lt"/>
+              </a:rPr>
+              <a:t>学习</a:t>
             </a:r>
             <a:endParaRPr lang="en-US" altLang="zh-CN" sz="2000" dirty="0">
               <a:solidFill>
@@ -11611,7 +11675,7 @@
         <p:spPr>
           <a:xfrm>
             <a:off x="8720778" y="2062196"/>
-            <a:ext cx="2758280" cy="615040"/>
+            <a:ext cx="2758280" cy="1230593"/>
           </a:xfrm>
           <a:prstGeom prst="rect">
             <a:avLst/>
@@ -11641,7 +11705,101 @@
                 <a:cs typeface="+mn-ea"/>
                 <a:sym typeface="+mn-lt"/>
               </a:rPr>
-              <a:t>审美提升</a:t>
+              <a:t>审美</a:t>
+            </a:r>
+            <a:r>
+              <a:rPr lang="zh-CN" altLang="en-US" sz="2000" dirty="0" smtClean="0">
+                <a:solidFill>
+                  <a:schemeClr val="tx1">
+                    <a:lumMod val="85000"/>
+                    <a:lumOff val="15000"/>
+                  </a:schemeClr>
+                </a:solidFill>
+                <a:latin typeface="微软雅黑" panose="020B0503020204020204" pitchFamily="34" charset="-122"/>
+                <a:ea typeface="微软雅黑" panose="020B0503020204020204" pitchFamily="34" charset="-122"/>
+                <a:cs typeface="+mn-ea"/>
+                <a:sym typeface="+mn-lt"/>
+              </a:rPr>
+              <a:t>提升</a:t>
+            </a:r>
+            <a:endParaRPr lang="en-US" altLang="zh-CN" sz="2000" dirty="0" smtClean="0">
+              <a:solidFill>
+                <a:schemeClr val="tx1">
+                  <a:lumMod val="85000"/>
+                  <a:lumOff val="15000"/>
+                </a:schemeClr>
+              </a:solidFill>
+              <a:latin typeface="微软雅黑" panose="020B0503020204020204" pitchFamily="34" charset="-122"/>
+              <a:ea typeface="微软雅黑" panose="020B0503020204020204" pitchFamily="34" charset="-122"/>
+              <a:cs typeface="+mn-ea"/>
+              <a:sym typeface="+mn-lt"/>
+            </a:endParaRPr>
+          </a:p>
+          <a:p>
+            <a:pPr>
+              <a:lnSpc>
+                <a:spcPct val="200000"/>
+              </a:lnSpc>
+            </a:pPr>
+            <a:r>
+              <a:rPr lang="en-US" altLang="zh-CN" sz="2000" dirty="0" smtClean="0">
+                <a:solidFill>
+                  <a:schemeClr val="tx1">
+                    <a:lumMod val="85000"/>
+                    <a:lumOff val="15000"/>
+                  </a:schemeClr>
+                </a:solidFill>
+                <a:latin typeface="微软雅黑" panose="020B0503020204020204" pitchFamily="34" charset="-122"/>
+                <a:ea typeface="微软雅黑" panose="020B0503020204020204" pitchFamily="34" charset="-122"/>
+                <a:cs typeface="+mn-ea"/>
+                <a:sym typeface="+mn-lt"/>
+              </a:rPr>
+              <a:t>PS</a:t>
+            </a:r>
+            <a:r>
+              <a:rPr lang="zh-CN" altLang="en-US" sz="2000" dirty="0" smtClean="0">
+                <a:solidFill>
+                  <a:schemeClr val="tx1">
+                    <a:lumMod val="85000"/>
+                    <a:lumOff val="15000"/>
+                  </a:schemeClr>
+                </a:solidFill>
+                <a:latin typeface="微软雅黑" panose="020B0503020204020204" pitchFamily="34" charset="-122"/>
+                <a:ea typeface="微软雅黑" panose="020B0503020204020204" pitchFamily="34" charset="-122"/>
+                <a:cs typeface="+mn-ea"/>
+                <a:sym typeface="+mn-lt"/>
+              </a:rPr>
+              <a:t>、</a:t>
+            </a:r>
+            <a:r>
+              <a:rPr lang="en-US" altLang="zh-CN" sz="2000" dirty="0" smtClean="0">
+                <a:solidFill>
+                  <a:schemeClr val="tx1">
+                    <a:lumMod val="85000"/>
+                    <a:lumOff val="15000"/>
+                  </a:schemeClr>
+                </a:solidFill>
+                <a:latin typeface="微软雅黑" panose="020B0503020204020204" pitchFamily="34" charset="-122"/>
+                <a:ea typeface="微软雅黑" panose="020B0503020204020204" pitchFamily="34" charset="-122"/>
+                <a:cs typeface="+mn-ea"/>
+                <a:sym typeface="+mn-lt"/>
+              </a:rPr>
+              <a:t>AI</a:t>
+            </a:r>
+            <a:r>
+              <a:rPr lang="zh-CN" altLang="en-US" sz="2000" dirty="0" smtClean="0">
+                <a:solidFill>
+                  <a:schemeClr val="tx1">
+                    <a:lumMod val="85000"/>
+                    <a:lumOff val="15000"/>
+                  </a:schemeClr>
+                </a:solidFill>
+                <a:latin typeface="微软雅黑" panose="020B0503020204020204" pitchFamily="34" charset="-122"/>
+                <a:ea typeface="微软雅黑" panose="020B0503020204020204" pitchFamily="34" charset="-122"/>
+                <a:cs typeface="+mn-ea"/>
+                <a:sym typeface="+mn-lt"/>
+              </a:rPr>
+              <a:t>软件学习</a:t>
             </a:r>
             <a:endParaRPr lang="en-US" altLang="zh-CN" sz="2000" dirty="0">
               <a:solidFill>
@@ -11667,7 +11825,7 @@
         <p:spPr>
           <a:xfrm>
             <a:off x="1459444" y="4484616"/>
-            <a:ext cx="2758280" cy="615040"/>
+            <a:ext cx="2758280" cy="1230593"/>
           </a:xfrm>
           <a:prstGeom prst="rect">
             <a:avLst/>
@@ -11685,7 +11843,22 @@
               </a:lnSpc>
             </a:pPr>
             <a:r>
-              <a:rPr lang="en-US" altLang="zh-CN" sz="2000" dirty="0">
+              <a:rPr lang="zh-CN" altLang="en-US" sz="2000" dirty="0" smtClean="0">
+                <a:solidFill>
+                  <a:schemeClr val="tx1">
+                    <a:lumMod val="85000"/>
+                    <a:lumOff val="15000"/>
+                  </a:schemeClr>
+                </a:solidFill>
+                <a:latin typeface="微软雅黑" panose="020B0503020204020204" pitchFamily="34" charset="-122"/>
+                <a:ea typeface="微软雅黑" panose="020B0503020204020204" pitchFamily="34" charset="-122"/>
+                <a:cs typeface="+mn-ea"/>
+                <a:sym typeface="+mn-lt"/>
+              </a:rPr>
+              <a:t>对</a:t>
+            </a:r>
+            <a:r>
+              <a:rPr lang="en-US" altLang="zh-CN" sz="2000" dirty="0" smtClean="0">
                 <a:solidFill>
                   <a:schemeClr val="tx1">
                     <a:lumMod val="85000"/>
@@ -11700,7 +11873,7 @@
               <a:t>JAVA</a:t>
             </a:r>
             <a:r>
-              <a:rPr lang="zh-CN" altLang="en-US" sz="2000" dirty="0">
+              <a:rPr lang="zh-CN" altLang="en-US" sz="2000" dirty="0" smtClean="0">
                 <a:solidFill>
                   <a:schemeClr val="tx1">
                     <a:lumMod val="85000"/>
@@ -11712,10 +11885,29 @@
                 <a:cs typeface="+mn-ea"/>
                 <a:sym typeface="+mn-lt"/>
               </a:rPr>
-              <a:t>，</a:t>
+              <a:t>初步了解</a:t>
             </a:r>
+            <a:endParaRPr lang="en-US" altLang="zh-CN" sz="2000" dirty="0" smtClean="0">
+              <a:solidFill>
+                <a:schemeClr val="tx1">
+                  <a:lumMod val="85000"/>
+                  <a:lumOff val="15000"/>
+                </a:schemeClr>
+              </a:solidFill>
+              <a:latin typeface="微软雅黑" panose="020B0503020204020204" pitchFamily="34" charset="-122"/>
+              <a:ea typeface="微软雅黑" panose="020B0503020204020204" pitchFamily="34" charset="-122"/>
+              <a:cs typeface="+mn-ea"/>
+              <a:sym typeface="+mn-lt"/>
+            </a:endParaRPr>
+          </a:p>
+          <a:p>
+            <a:pPr>
+              <a:lnSpc>
+                <a:spcPct val="200000"/>
+              </a:lnSpc>
+            </a:pPr>
             <a:r>
-              <a:rPr lang="en-US" altLang="zh-CN" sz="2000" dirty="0">
+              <a:rPr lang="en-US" altLang="zh-CN" sz="2000" dirty="0" smtClean="0">
                 <a:solidFill>
                   <a:schemeClr val="tx1">
                     <a:lumMod val="85000"/>
@@ -11728,6 +11920,21 @@
                 <a:sym typeface="+mn-lt"/>
               </a:rPr>
               <a:t>SQL</a:t>
+            </a:r>
+            <a:r>
+              <a:rPr lang="zh-CN" altLang="en-US" sz="2000" dirty="0" smtClean="0">
+                <a:solidFill>
+                  <a:schemeClr val="tx1">
+                    <a:lumMod val="85000"/>
+                    <a:lumOff val="15000"/>
+                  </a:schemeClr>
+                </a:solidFill>
+                <a:latin typeface="微软雅黑" panose="020B0503020204020204" pitchFamily="34" charset="-122"/>
+                <a:ea typeface="微软雅黑" panose="020B0503020204020204" pitchFamily="34" charset="-122"/>
+                <a:cs typeface="+mn-ea"/>
+                <a:sym typeface="+mn-lt"/>
+              </a:rPr>
+              <a:t>基础语法初识</a:t>
             </a:r>
             <a:endParaRPr lang="id-ID" sz="2000" dirty="0">
               <a:solidFill>
@@ -12377,7 +12584,7 @@
         <p:spPr>
           <a:xfrm>
             <a:off x="1459444" y="2062196"/>
-            <a:ext cx="2758280" cy="615040"/>
+            <a:ext cx="2758280" cy="1230593"/>
           </a:xfrm>
           <a:prstGeom prst="rect">
             <a:avLst/>
@@ -12410,7 +12617,7 @@
               <a:t>GIS</a:t>
             </a:r>
             <a:r>
-              <a:rPr lang="zh-CN" altLang="en-US" sz="2000" dirty="0">
+              <a:rPr lang="zh-CN" altLang="en-US" sz="2000" dirty="0" smtClean="0">
                 <a:solidFill>
                   <a:schemeClr val="tx1">
                     <a:lumMod val="85000"/>
@@ -12423,6 +12630,40 @@
                 <a:sym typeface="+mn-lt"/>
               </a:rPr>
               <a:t>薄弱</a:t>
+            </a:r>
+            <a:endParaRPr lang="en-US" altLang="zh-CN" sz="2000" dirty="0" smtClean="0">
+              <a:solidFill>
+                <a:schemeClr val="tx1">
+                  <a:lumMod val="85000"/>
+                  <a:lumOff val="15000"/>
+                </a:schemeClr>
+              </a:solidFill>
+              <a:latin typeface="微软雅黑" panose="020B0503020204020204" pitchFamily="34" charset="-122"/>
+              <a:ea typeface="微软雅黑" panose="020B0503020204020204" pitchFamily="34" charset="-122"/>
+              <a:cs typeface="+mn-ea"/>
+              <a:sym typeface="+mn-lt"/>
+            </a:endParaRPr>
+          </a:p>
+          <a:p>
+            <a:pPr>
+              <a:lnSpc>
+                <a:spcPct val="200000"/>
+              </a:lnSpc>
+            </a:pPr>
+            <a:r>
+              <a:rPr lang="zh-CN" altLang="en-US" sz="2000" dirty="0" smtClean="0">
+                <a:solidFill>
+                  <a:schemeClr val="tx1">
+                    <a:lumMod val="85000"/>
+                    <a:lumOff val="15000"/>
+                  </a:schemeClr>
+                </a:solidFill>
+                <a:latin typeface="微软雅黑" panose="020B0503020204020204" pitchFamily="34" charset="-122"/>
+                <a:ea typeface="微软雅黑" panose="020B0503020204020204" pitchFamily="34" charset="-122"/>
+                <a:cs typeface="+mn-ea"/>
+                <a:sym typeface="+mn-lt"/>
+              </a:rPr>
+              <a:t>三维技术欠缺</a:t>
             </a:r>
             <a:endParaRPr lang="en-US" altLang="zh-CN" sz="2000" dirty="0">
               <a:solidFill>
@@ -12448,7 +12689,7 @@
         <p:spPr>
           <a:xfrm>
             <a:off x="7994873" y="2062196"/>
-            <a:ext cx="3256574" cy="615040"/>
+            <a:ext cx="3256574" cy="1230593"/>
           </a:xfrm>
           <a:prstGeom prst="rect">
             <a:avLst/>
@@ -12478,7 +12719,71 @@
                 <a:cs typeface="+mn-ea"/>
                 <a:sym typeface="+mn-lt"/>
               </a:rPr>
-              <a:t>加强审美能力</a:t>
+              <a:t>加强审美</a:t>
+            </a:r>
+            <a:r>
+              <a:rPr lang="zh-CN" altLang="en-US" sz="2000" dirty="0" smtClean="0">
+                <a:solidFill>
+                  <a:schemeClr val="tx1">
+                    <a:lumMod val="85000"/>
+                    <a:lumOff val="15000"/>
+                  </a:schemeClr>
+                </a:solidFill>
+                <a:latin typeface="微软雅黑" panose="020B0503020204020204" pitchFamily="34" charset="-122"/>
+                <a:ea typeface="微软雅黑" panose="020B0503020204020204" pitchFamily="34" charset="-122"/>
+                <a:cs typeface="+mn-ea"/>
+                <a:sym typeface="+mn-lt"/>
+              </a:rPr>
+              <a:t>能力</a:t>
+            </a:r>
+            <a:endParaRPr lang="en-US" altLang="zh-CN" sz="2000" dirty="0" smtClean="0">
+              <a:solidFill>
+                <a:schemeClr val="tx1">
+                  <a:lumMod val="85000"/>
+                  <a:lumOff val="15000"/>
+                </a:schemeClr>
+              </a:solidFill>
+              <a:latin typeface="微软雅黑" panose="020B0503020204020204" pitchFamily="34" charset="-122"/>
+              <a:ea typeface="微软雅黑" panose="020B0503020204020204" pitchFamily="34" charset="-122"/>
+              <a:cs typeface="+mn-ea"/>
+              <a:sym typeface="+mn-lt"/>
+            </a:endParaRPr>
+          </a:p>
+          <a:p>
+            <a:pPr>
+              <a:lnSpc>
+                <a:spcPct val="200000"/>
+              </a:lnSpc>
+            </a:pPr>
+            <a:r>
+              <a:rPr lang="en-US" altLang="zh-CN" sz="2000" dirty="0" smtClean="0">
+                <a:solidFill>
+                  <a:schemeClr val="tx1">
+                    <a:lumMod val="85000"/>
+                    <a:lumOff val="15000"/>
+                  </a:schemeClr>
+                </a:solidFill>
+                <a:latin typeface="微软雅黑" panose="020B0503020204020204" pitchFamily="34" charset="-122"/>
+                <a:ea typeface="微软雅黑" panose="020B0503020204020204" pitchFamily="34" charset="-122"/>
+                <a:cs typeface="+mn-ea"/>
+                <a:sym typeface="+mn-lt"/>
+              </a:rPr>
+              <a:t>UI</a:t>
+            </a:r>
+            <a:r>
+              <a:rPr lang="zh-CN" altLang="en-US" sz="2000" dirty="0" smtClean="0">
+                <a:solidFill>
+                  <a:schemeClr val="tx1">
+                    <a:lumMod val="85000"/>
+                    <a:lumOff val="15000"/>
+                  </a:schemeClr>
+                </a:solidFill>
+                <a:latin typeface="微软雅黑" panose="020B0503020204020204" pitchFamily="34" charset="-122"/>
+                <a:ea typeface="微软雅黑" panose="020B0503020204020204" pitchFamily="34" charset="-122"/>
+                <a:cs typeface="+mn-ea"/>
+                <a:sym typeface="+mn-lt"/>
+              </a:rPr>
+              <a:t>技术欠缺</a:t>
             </a:r>
             <a:endParaRPr lang="en-US" altLang="zh-CN" sz="2000" dirty="0">
               <a:solidFill>
@@ -12504,7 +12809,7 @@
         <p:spPr>
           <a:xfrm>
             <a:off x="1459444" y="4484616"/>
-            <a:ext cx="2758280" cy="615040"/>
+            <a:ext cx="2758280" cy="1323439"/>
           </a:xfrm>
           <a:prstGeom prst="rect">
             <a:avLst/>
@@ -12534,7 +12839,56 @@
                 <a:cs typeface="+mn-ea"/>
                 <a:sym typeface="+mn-lt"/>
               </a:rPr>
-              <a:t>后台技术薄弱</a:t>
+              <a:t>后台技术</a:t>
+            </a:r>
+            <a:r>
+              <a:rPr lang="zh-CN" altLang="en-US" sz="2000" dirty="0" smtClean="0">
+                <a:solidFill>
+                  <a:schemeClr val="tx1">
+                    <a:lumMod val="85000"/>
+                    <a:lumOff val="15000"/>
+                  </a:schemeClr>
+                </a:solidFill>
+                <a:latin typeface="微软雅黑" panose="020B0503020204020204" pitchFamily="34" charset="-122"/>
+                <a:ea typeface="微软雅黑" panose="020B0503020204020204" pitchFamily="34" charset="-122"/>
+                <a:cs typeface="+mn-ea"/>
+                <a:sym typeface="+mn-lt"/>
+              </a:rPr>
+              <a:t>薄弱</a:t>
+            </a:r>
+            <a:endParaRPr lang="en-US" altLang="zh-CN" sz="2000" dirty="0" smtClean="0">
+              <a:solidFill>
+                <a:schemeClr val="tx1">
+                  <a:lumMod val="85000"/>
+                  <a:lumOff val="15000"/>
+                </a:schemeClr>
+              </a:solidFill>
+              <a:latin typeface="微软雅黑" panose="020B0503020204020204" pitchFamily="34" charset="-122"/>
+              <a:ea typeface="微软雅黑" panose="020B0503020204020204" pitchFamily="34" charset="-122"/>
+              <a:cs typeface="+mn-ea"/>
+              <a:sym typeface="+mn-lt"/>
+            </a:endParaRPr>
+          </a:p>
+          <a:p>
+            <a:pPr>
+              <a:lnSpc>
+                <a:spcPct val="200000"/>
+              </a:lnSpc>
+            </a:pPr>
+            <a:r>
+              <a:rPr lang="zh-CN" altLang="en-US" sz="2000" dirty="0" smtClean="0">
+                <a:solidFill>
+                  <a:schemeClr val="tx1">
+                    <a:lumMod val="85000"/>
+                    <a:lumOff val="15000"/>
+                  </a:schemeClr>
+                </a:solidFill>
+                <a:latin typeface="微软雅黑" panose="020B0503020204020204" pitchFamily="34" charset="-122"/>
+                <a:ea typeface="微软雅黑" panose="020B0503020204020204" pitchFamily="34" charset="-122"/>
+                <a:cs typeface="+mn-ea"/>
+                <a:sym typeface="+mn-lt"/>
+              </a:rPr>
+              <a:t>无后端开发能力</a:t>
             </a:r>
             <a:endParaRPr lang="id-ID" sz="2000" dirty="0">
               <a:solidFill>
@@ -12606,7 +12960,7 @@
         <p:spPr>
           <a:xfrm>
             <a:off x="7906797" y="4313713"/>
-            <a:ext cx="4070555" cy="707886"/>
+            <a:ext cx="4070555" cy="1230593"/>
           </a:xfrm>
           <a:prstGeom prst="rect">
             <a:avLst/>
@@ -12636,7 +12990,71 @@
                 <a:cs typeface="+mn-ea"/>
                 <a:sym typeface="+mn-lt"/>
               </a:rPr>
-              <a:t>文档编写能力、语言组织能力薄弱</a:t>
+              <a:t>文档编写能力</a:t>
+            </a:r>
+            <a:r>
+              <a:rPr lang="zh-CN" altLang="en-US" sz="2000" dirty="0" smtClean="0">
+                <a:solidFill>
+                  <a:schemeClr val="tx1">
+                    <a:lumMod val="85000"/>
+                    <a:lumOff val="15000"/>
+                  </a:schemeClr>
+                </a:solidFill>
+                <a:latin typeface="微软雅黑" panose="020B0503020204020204" pitchFamily="34" charset="-122"/>
+                <a:ea typeface="微软雅黑" panose="020B0503020204020204" pitchFamily="34" charset="-122"/>
+                <a:cs typeface="+mn-ea"/>
+                <a:sym typeface="+mn-lt"/>
+              </a:rPr>
+              <a:t>、</a:t>
+            </a:r>
+            <a:endParaRPr lang="en-US" altLang="zh-CN" sz="2000" dirty="0" smtClean="0">
+              <a:solidFill>
+                <a:schemeClr val="tx1">
+                  <a:lumMod val="85000"/>
+                  <a:lumOff val="15000"/>
+                </a:schemeClr>
+              </a:solidFill>
+              <a:latin typeface="微软雅黑" panose="020B0503020204020204" pitchFamily="34" charset="-122"/>
+              <a:ea typeface="微软雅黑" panose="020B0503020204020204" pitchFamily="34" charset="-122"/>
+              <a:cs typeface="+mn-ea"/>
+              <a:sym typeface="+mn-lt"/>
+            </a:endParaRPr>
+          </a:p>
+          <a:p>
+            <a:pPr>
+              <a:lnSpc>
+                <a:spcPct val="200000"/>
+              </a:lnSpc>
+            </a:pPr>
+            <a:r>
+              <a:rPr lang="zh-CN" altLang="en-US" sz="2000" dirty="0" smtClean="0">
+                <a:solidFill>
+                  <a:schemeClr val="tx1">
+                    <a:lumMod val="85000"/>
+                    <a:lumOff val="15000"/>
+                  </a:schemeClr>
+                </a:solidFill>
+                <a:latin typeface="微软雅黑" panose="020B0503020204020204" pitchFamily="34" charset="-122"/>
+                <a:ea typeface="微软雅黑" panose="020B0503020204020204" pitchFamily="34" charset="-122"/>
+                <a:cs typeface="+mn-ea"/>
+                <a:sym typeface="+mn-lt"/>
+              </a:rPr>
+              <a:t>语言组织</a:t>
+            </a:r>
+            <a:r>
+              <a:rPr lang="zh-CN" altLang="en-US" sz="2000" dirty="0">
+                <a:solidFill>
+                  <a:schemeClr val="tx1">
+                    <a:lumMod val="85000"/>
+                    <a:lumOff val="15000"/>
+                  </a:schemeClr>
+                </a:solidFill>
+                <a:latin typeface="微软雅黑" panose="020B0503020204020204" pitchFamily="34" charset="-122"/>
+                <a:ea typeface="微软雅黑" panose="020B0503020204020204" pitchFamily="34" charset="-122"/>
+                <a:cs typeface="+mn-ea"/>
+                <a:sym typeface="+mn-lt"/>
+              </a:rPr>
+              <a:t>能力薄弱</a:t>
             </a:r>
             <a:endParaRPr lang="en-US" altLang="zh-CN" sz="2000" dirty="0">
               <a:solidFill>
@@ -13234,7 +13652,7 @@
         <p:spPr>
           <a:xfrm>
             <a:off x="1635369" y="2062196"/>
-            <a:ext cx="3123273" cy="615040"/>
+            <a:ext cx="3123273" cy="1323439"/>
           </a:xfrm>
           <a:prstGeom prst="rect">
             <a:avLst/>
@@ -13279,7 +13697,71 @@
                 <a:cs typeface="+mn-ea"/>
                 <a:sym typeface="+mn-lt"/>
               </a:rPr>
-              <a:t>服务的学习</a:t>
+              <a:t>服务的</a:t>
+            </a:r>
+            <a:r>
+              <a:rPr lang="zh-CN" altLang="en-US" sz="2000" dirty="0" smtClean="0">
+                <a:solidFill>
+                  <a:schemeClr val="tx1">
+                    <a:lumMod val="85000"/>
+                    <a:lumOff val="15000"/>
+                  </a:schemeClr>
+                </a:solidFill>
+                <a:latin typeface="微软雅黑" panose="020B0503020204020204" pitchFamily="34" charset="-122"/>
+                <a:ea typeface="微软雅黑" panose="020B0503020204020204" pitchFamily="34" charset="-122"/>
+                <a:cs typeface="+mn-ea"/>
+                <a:sym typeface="+mn-lt"/>
+              </a:rPr>
+              <a:t>学习</a:t>
+            </a:r>
+            <a:endParaRPr lang="en-US" altLang="zh-CN" sz="2000" dirty="0" smtClean="0">
+              <a:solidFill>
+                <a:schemeClr val="tx1">
+                  <a:lumMod val="85000"/>
+                  <a:lumOff val="15000"/>
+                </a:schemeClr>
+              </a:solidFill>
+              <a:latin typeface="微软雅黑" panose="020B0503020204020204" pitchFamily="34" charset="-122"/>
+              <a:ea typeface="微软雅黑" panose="020B0503020204020204" pitchFamily="34" charset="-122"/>
+              <a:cs typeface="+mn-ea"/>
+              <a:sym typeface="+mn-lt"/>
+            </a:endParaRPr>
+          </a:p>
+          <a:p>
+            <a:pPr>
+              <a:lnSpc>
+                <a:spcPct val="200000"/>
+              </a:lnSpc>
+            </a:pPr>
+            <a:r>
+              <a:rPr lang="en-US" altLang="zh-CN" sz="2000" dirty="0" smtClean="0">
+                <a:solidFill>
+                  <a:schemeClr val="tx1">
+                    <a:lumMod val="85000"/>
+                    <a:lumOff val="15000"/>
+                  </a:schemeClr>
+                </a:solidFill>
+                <a:latin typeface="微软雅黑" panose="020B0503020204020204" pitchFamily="34" charset="-122"/>
+                <a:ea typeface="微软雅黑" panose="020B0503020204020204" pitchFamily="34" charset="-122"/>
+                <a:cs typeface="+mn-ea"/>
+                <a:sym typeface="+mn-lt"/>
+              </a:rPr>
+              <a:t>Cesium</a:t>
+            </a:r>
+            <a:r>
+              <a:rPr lang="zh-CN" altLang="en-US" sz="2000" dirty="0" smtClean="0">
+                <a:solidFill>
+                  <a:schemeClr val="tx1">
+                    <a:lumMod val="85000"/>
+                    <a:lumOff val="15000"/>
+                  </a:schemeClr>
+                </a:solidFill>
+                <a:latin typeface="微软雅黑" panose="020B0503020204020204" pitchFamily="34" charset="-122"/>
+                <a:ea typeface="微软雅黑" panose="020B0503020204020204" pitchFamily="34" charset="-122"/>
+                <a:cs typeface="+mn-ea"/>
+                <a:sym typeface="+mn-lt"/>
+              </a:rPr>
+              <a:t>学习</a:t>
             </a:r>
             <a:endParaRPr lang="en-US" altLang="zh-CN" sz="2000" dirty="0">
               <a:solidFill>
@@ -13305,7 +13787,7 @@
         <p:spPr>
           <a:xfrm>
             <a:off x="8168434" y="2015516"/>
-            <a:ext cx="3126337" cy="615040"/>
+            <a:ext cx="3126337" cy="1230593"/>
           </a:xfrm>
           <a:prstGeom prst="rect">
             <a:avLst/>
@@ -13353,7 +13835,7 @@
               <a:t>UI</a:t>
             </a:r>
             <a:r>
-              <a:rPr lang="zh-CN" altLang="en-US" sz="2000" dirty="0">
+              <a:rPr lang="zh-CN" altLang="en-US" sz="2000" dirty="0" smtClean="0">
                 <a:solidFill>
                   <a:schemeClr val="tx1">
                     <a:lumMod val="85000"/>
@@ -13366,6 +13848,100 @@
                 <a:sym typeface="+mn-lt"/>
               </a:rPr>
               <a:t>学习</a:t>
+            </a:r>
+            <a:endParaRPr lang="en-US" altLang="zh-CN" sz="2000" dirty="0" smtClean="0">
+              <a:solidFill>
+                <a:schemeClr val="tx1">
+                  <a:lumMod val="85000"/>
+                  <a:lumOff val="15000"/>
+                </a:schemeClr>
+              </a:solidFill>
+              <a:latin typeface="微软雅黑" panose="020B0503020204020204" pitchFamily="34" charset="-122"/>
+              <a:ea typeface="微软雅黑" panose="020B0503020204020204" pitchFamily="34" charset="-122"/>
+              <a:cs typeface="+mn-ea"/>
+              <a:sym typeface="+mn-lt"/>
+            </a:endParaRPr>
+          </a:p>
+          <a:p>
+            <a:pPr>
+              <a:lnSpc>
+                <a:spcPct val="200000"/>
+              </a:lnSpc>
+            </a:pPr>
+            <a:r>
+              <a:rPr lang="zh-CN" altLang="en-US" sz="2000" dirty="0" smtClean="0">
+                <a:solidFill>
+                  <a:schemeClr val="tx1">
+                    <a:lumMod val="85000"/>
+                    <a:lumOff val="15000"/>
+                  </a:schemeClr>
+                </a:solidFill>
+                <a:latin typeface="微软雅黑" panose="020B0503020204020204" pitchFamily="34" charset="-122"/>
+                <a:ea typeface="微软雅黑" panose="020B0503020204020204" pitchFamily="34" charset="-122"/>
+                <a:cs typeface="+mn-ea"/>
+                <a:sym typeface="+mn-lt"/>
+              </a:rPr>
+              <a:t>学习</a:t>
+            </a:r>
+            <a:r>
+              <a:rPr lang="en-US" altLang="zh-CN" sz="2000" dirty="0" smtClean="0">
+                <a:solidFill>
+                  <a:schemeClr val="tx1">
+                    <a:lumMod val="85000"/>
+                    <a:lumOff val="15000"/>
+                  </a:schemeClr>
+                </a:solidFill>
+                <a:latin typeface="微软雅黑" panose="020B0503020204020204" pitchFamily="34" charset="-122"/>
+                <a:ea typeface="微软雅黑" panose="020B0503020204020204" pitchFamily="34" charset="-122"/>
+                <a:cs typeface="+mn-ea"/>
+                <a:sym typeface="+mn-lt"/>
+              </a:rPr>
+              <a:t>PS</a:t>
+            </a:r>
+            <a:r>
+              <a:rPr lang="zh-CN" altLang="en-US" sz="2000" dirty="0" smtClean="0">
+                <a:solidFill>
+                  <a:schemeClr val="tx1">
+                    <a:lumMod val="85000"/>
+                    <a:lumOff val="15000"/>
+                  </a:schemeClr>
+                </a:solidFill>
+                <a:latin typeface="微软雅黑" panose="020B0503020204020204" pitchFamily="34" charset="-122"/>
+                <a:ea typeface="微软雅黑" panose="020B0503020204020204" pitchFamily="34" charset="-122"/>
+                <a:cs typeface="+mn-ea"/>
+                <a:sym typeface="+mn-lt"/>
+              </a:rPr>
+              <a:t>、</a:t>
+            </a:r>
+            <a:r>
+              <a:rPr lang="en-US" altLang="zh-CN" sz="2000" dirty="0" smtClean="0">
+                <a:solidFill>
+                  <a:schemeClr val="tx1">
+                    <a:lumMod val="85000"/>
+                    <a:lumOff val="15000"/>
+                  </a:schemeClr>
+                </a:solidFill>
+                <a:latin typeface="微软雅黑" panose="020B0503020204020204" pitchFamily="34" charset="-122"/>
+                <a:ea typeface="微软雅黑" panose="020B0503020204020204" pitchFamily="34" charset="-122"/>
+                <a:cs typeface="+mn-ea"/>
+                <a:sym typeface="+mn-lt"/>
+              </a:rPr>
+              <a:t>AI </a:t>
+            </a:r>
+            <a:r>
+              <a:rPr lang="zh-CN" altLang="en-US" sz="2000" dirty="0" smtClean="0">
+                <a:solidFill>
+                  <a:schemeClr val="tx1">
+                    <a:lumMod val="85000"/>
+                    <a:lumOff val="15000"/>
+                  </a:schemeClr>
+                </a:solidFill>
+                <a:latin typeface="微软雅黑" panose="020B0503020204020204" pitchFamily="34" charset="-122"/>
+                <a:ea typeface="微软雅黑" panose="020B0503020204020204" pitchFamily="34" charset="-122"/>
+                <a:cs typeface="+mn-ea"/>
+                <a:sym typeface="+mn-lt"/>
+              </a:rPr>
+              <a:t>软件</a:t>
             </a:r>
             <a:endParaRPr lang="en-US" altLang="zh-CN" sz="2000" dirty="0">
               <a:solidFill>
@@ -13391,7 +13967,7 @@
         <p:spPr>
           <a:xfrm>
             <a:off x="1635369" y="4432058"/>
-            <a:ext cx="2758280" cy="615040"/>
+            <a:ext cx="2758280" cy="1230593"/>
           </a:xfrm>
           <a:prstGeom prst="rect">
             <a:avLst/>
@@ -13409,7 +13985,7 @@
               </a:lnSpc>
             </a:pPr>
             <a:r>
-              <a:rPr lang="zh-CN" altLang="en-US" sz="2000" dirty="0" smtClean="0">
+              <a:rPr lang="en-US" altLang="zh-CN" sz="2000" dirty="0" smtClean="0">
                 <a:solidFill>
                   <a:schemeClr val="tx1">
                     <a:lumMod val="85000"/>
@@ -13421,7 +13997,56 @@
                 <a:cs typeface="+mn-ea"/>
                 <a:sym typeface="+mn-lt"/>
               </a:rPr>
-              <a:t>地理信息支持学习</a:t>
+              <a:t>Java Spring</a:t>
+            </a:r>
+            <a:r>
+              <a:rPr lang="zh-CN" altLang="en-US" sz="2000" dirty="0" smtClean="0">
+                <a:solidFill>
+                  <a:schemeClr val="tx1">
+                    <a:lumMod val="85000"/>
+                    <a:lumOff val="15000"/>
+                  </a:schemeClr>
+                </a:solidFill>
+                <a:latin typeface="微软雅黑" panose="020B0503020204020204" pitchFamily="34" charset="-122"/>
+                <a:ea typeface="微软雅黑" panose="020B0503020204020204" pitchFamily="34" charset="-122"/>
+                <a:cs typeface="+mn-ea"/>
+                <a:sym typeface="+mn-lt"/>
+              </a:rPr>
+              <a:t>学习</a:t>
+            </a:r>
+            <a:endParaRPr lang="en-US" altLang="zh-CN" sz="2000" dirty="0" smtClean="0">
+              <a:solidFill>
+                <a:schemeClr val="tx1">
+                  <a:lumMod val="85000"/>
+                  <a:lumOff val="15000"/>
+                </a:schemeClr>
+              </a:solidFill>
+              <a:latin typeface="微软雅黑" panose="020B0503020204020204" pitchFamily="34" charset="-122"/>
+              <a:ea typeface="微软雅黑" panose="020B0503020204020204" pitchFamily="34" charset="-122"/>
+              <a:cs typeface="+mn-ea"/>
+              <a:sym typeface="+mn-lt"/>
+            </a:endParaRPr>
+          </a:p>
+          <a:p>
+            <a:pPr>
+              <a:lnSpc>
+                <a:spcPct val="200000"/>
+              </a:lnSpc>
+            </a:pPr>
+            <a:r>
+              <a:rPr lang="zh-CN" altLang="en-US" sz="2000" smtClean="0">
+                <a:solidFill>
+                  <a:schemeClr val="tx1">
+                    <a:lumMod val="85000"/>
+                    <a:lumOff val="15000"/>
+                  </a:schemeClr>
+                </a:solidFill>
+                <a:latin typeface="微软雅黑" panose="020B0503020204020204" pitchFamily="34" charset="-122"/>
+                <a:ea typeface="微软雅黑" panose="020B0503020204020204" pitchFamily="34" charset="-122"/>
+                <a:cs typeface="+mn-ea"/>
+                <a:sym typeface="+mn-lt"/>
+              </a:rPr>
+              <a:t>数据库学习</a:t>
             </a:r>
             <a:endParaRPr lang="id-ID" sz="2000" dirty="0">
               <a:solidFill>
@@ -26215,7 +26840,7 @@
   <a:extraClrSchemeLst/>
   <a:extLst>
     <a:ext uri="{05A4C25C-085E-4340-85A3-A5531E510DB2}">
-      <thm15:themeFamily xmlns:thm15="http://schemas.microsoft.com/office/thememl/2012/main" xmlns="" name="Office Theme" id="{62F939B6-93AF-4DB8-9C6B-D6C7DFDC589F}" vid="{4A3C46E8-61CC-4603-A589-7422A47A8E4A}"/>
+      <thm15:themeFamily xmlns="" xmlns:thm15="http://schemas.microsoft.com/office/thememl/2012/main" name="Office Theme" id="{62F939B6-93AF-4DB8-9C6B-D6C7DFDC589F}" vid="{4A3C46E8-61CC-4603-A589-7422A47A8E4A}"/>
     </a:ext>
   </a:extLst>
 </a:theme>
